--- a/PPT/02-Accenture-FS-Angular-TypeScript.pptx
+++ b/PPT/02-Accenture-FS-Angular-TypeScript.pptx
@@ -18753,34 +18753,34 @@
               </a:spcAft>
             </a:pPr>
             <a:r>
-              <a:rPr lang="en-US" altLang="zh-CN" dirty="0" err="1">
+              <a:rPr lang="en-US" altLang="zh-CN" sz="2800" dirty="0" err="1">
                 <a:latin typeface="SimSun" panose="02010600030101010101" pitchFamily="2" charset="-122"/>
                 <a:ea typeface="SimSun" panose="02010600030101010101" pitchFamily="2" charset="-122"/>
               </a:rPr>
               <a:t>TypeScript</a:t>
             </a:r>
             <a:r>
-              <a:rPr lang="zh-CN" altLang="en-US" dirty="0">
+              <a:rPr lang="zh-CN" altLang="en-US" sz="2800" dirty="0">
                 <a:latin typeface="SimSun" panose="02010600030101010101" pitchFamily="2" charset="-122"/>
                 <a:ea typeface="SimSun" panose="02010600030101010101" pitchFamily="2" charset="-122"/>
               </a:rPr>
               <a:t>模块</a:t>
             </a:r>
             <a:r>
-              <a:rPr lang="en-US" altLang="zh-CN" dirty="0">
+              <a:rPr lang="en-US" altLang="zh-CN" sz="2800" dirty="0">
                 <a:latin typeface="SimSun" panose="02010600030101010101" pitchFamily="2" charset="-122"/>
                 <a:ea typeface="SimSun" panose="02010600030101010101" pitchFamily="2" charset="-122"/>
               </a:rPr>
               <a:t>&amp;</a:t>
             </a:r>
             <a:r>
-              <a:rPr lang="zh-CN" altLang="en-US" dirty="0">
+              <a:rPr lang="zh-CN" altLang="en-US" sz="2800" dirty="0">
                 <a:latin typeface="SimSun" panose="02010600030101010101" pitchFamily="2" charset="-122"/>
                 <a:ea typeface="SimSun" panose="02010600030101010101" pitchFamily="2" charset="-122"/>
               </a:rPr>
               <a:t>面向对象</a:t>
             </a:r>
-            <a:endParaRPr lang="en-US" altLang="zh-CN" dirty="0">
+            <a:endParaRPr lang="en-US" altLang="zh-CN" sz="2800" dirty="0">
               <a:latin typeface="SimSun" panose="02010600030101010101" pitchFamily="2" charset="-122"/>
               <a:ea typeface="SimSun" panose="02010600030101010101" pitchFamily="2" charset="-122"/>
             </a:endParaRPr>
@@ -19490,34 +19490,34 @@
               </a:spcAft>
             </a:pPr>
             <a:r>
-              <a:rPr lang="en-US" altLang="zh-CN" dirty="0" err="1">
+              <a:rPr lang="en-US" altLang="zh-CN" sz="2800" dirty="0" err="1">
                 <a:latin typeface="SimSun" panose="02010600030101010101" pitchFamily="2" charset="-122"/>
                 <a:ea typeface="SimSun" panose="02010600030101010101" pitchFamily="2" charset="-122"/>
               </a:rPr>
               <a:t>TypeScript</a:t>
             </a:r>
             <a:r>
-              <a:rPr lang="zh-CN" altLang="en-US" dirty="0">
+              <a:rPr lang="zh-CN" altLang="en-US" sz="2800" dirty="0">
                 <a:latin typeface="SimSun" panose="02010600030101010101" pitchFamily="2" charset="-122"/>
                 <a:ea typeface="SimSun" panose="02010600030101010101" pitchFamily="2" charset="-122"/>
               </a:rPr>
               <a:t>模块</a:t>
             </a:r>
             <a:r>
-              <a:rPr lang="en-US" altLang="zh-CN" dirty="0">
+              <a:rPr lang="en-US" altLang="zh-CN" sz="2800" dirty="0">
                 <a:latin typeface="SimSun" panose="02010600030101010101" pitchFamily="2" charset="-122"/>
                 <a:ea typeface="SimSun" panose="02010600030101010101" pitchFamily="2" charset="-122"/>
               </a:rPr>
               <a:t>&amp;</a:t>
             </a:r>
             <a:r>
-              <a:rPr lang="zh-CN" altLang="en-US" dirty="0">
+              <a:rPr lang="zh-CN" altLang="en-US" sz="2800" dirty="0">
                 <a:latin typeface="SimSun" panose="02010600030101010101" pitchFamily="2" charset="-122"/>
                 <a:ea typeface="SimSun" panose="02010600030101010101" pitchFamily="2" charset="-122"/>
               </a:rPr>
               <a:t>面向对象</a:t>
             </a:r>
-            <a:endParaRPr lang="en-US" altLang="zh-CN" dirty="0">
+            <a:endParaRPr lang="en-US" altLang="zh-CN" sz="2800" dirty="0">
               <a:latin typeface="SimSun" panose="02010600030101010101" pitchFamily="2" charset="-122"/>
               <a:ea typeface="SimSun" panose="02010600030101010101" pitchFamily="2" charset="-122"/>
             </a:endParaRPr>
@@ -19912,20 +19912,20 @@
               </a:spcAft>
             </a:pPr>
             <a:r>
-              <a:rPr lang="en-US" altLang="zh-CN" dirty="0" err="1">
+              <a:rPr lang="en-US" altLang="zh-CN" sz="2800" dirty="0" err="1">
                 <a:latin typeface="SimSun" panose="02010600030101010101" pitchFamily="2" charset="-122"/>
                 <a:ea typeface="SimSun" panose="02010600030101010101" pitchFamily="2" charset="-122"/>
               </a:rPr>
               <a:t>TypeScript</a:t>
             </a:r>
             <a:r>
-              <a:rPr lang="zh-CN" altLang="en-US" dirty="0">
+              <a:rPr lang="zh-CN" altLang="en-US" sz="2800" dirty="0">
                 <a:latin typeface="SimSun" panose="02010600030101010101" pitchFamily="2" charset="-122"/>
                 <a:ea typeface="SimSun" panose="02010600030101010101" pitchFamily="2" charset="-122"/>
               </a:rPr>
               <a:t>装饰器</a:t>
             </a:r>
-            <a:endParaRPr lang="en-US" altLang="zh-CN" dirty="0">
+            <a:endParaRPr lang="en-US" altLang="zh-CN" sz="2800" dirty="0">
               <a:latin typeface="SimSun" panose="02010600030101010101" pitchFamily="2" charset="-122"/>
               <a:ea typeface="SimSun" panose="02010600030101010101" pitchFamily="2" charset="-122"/>
             </a:endParaRPr>
@@ -20490,10 +20490,6 @@
               </a:rPr>
               <a:t>://www.w3cschool.cn/typescript/typescript-decorators.html</a:t>
             </a:r>
-            <a:endParaRPr lang="en-US" altLang="zh-CN" sz="1600" b="0" dirty="0">
-              <a:latin typeface="SimSun" panose="02010600030101010101" pitchFamily="2" charset="-122"/>
-              <a:ea typeface="SimSun" panose="02010600030101010101" pitchFamily="2" charset="-122"/>
-            </a:endParaRPr>
           </a:p>
           <a:p>
             <a:endParaRPr lang="en-US" altLang="zh-CN" sz="1600" b="0" dirty="0">
@@ -20677,20 +20673,20 @@
               </a:spcAft>
             </a:pPr>
             <a:r>
-              <a:rPr lang="en-US" altLang="zh-CN" dirty="0" err="1">
+              <a:rPr lang="en-US" altLang="zh-CN" sz="2800" dirty="0" err="1">
                 <a:latin typeface="SimSun" panose="02010600030101010101" pitchFamily="2" charset="-122"/>
                 <a:ea typeface="SimSun" panose="02010600030101010101" pitchFamily="2" charset="-122"/>
               </a:rPr>
               <a:t>TypeScript</a:t>
             </a:r>
             <a:r>
-              <a:rPr lang="zh-CN" altLang="en-US" dirty="0">
+              <a:rPr lang="zh-CN" altLang="en-US" sz="2800" dirty="0">
                 <a:latin typeface="SimSun" panose="02010600030101010101" pitchFamily="2" charset="-122"/>
                 <a:ea typeface="SimSun" panose="02010600030101010101" pitchFamily="2" charset="-122"/>
               </a:rPr>
               <a:t>装饰器</a:t>
             </a:r>
-            <a:endParaRPr lang="en-US" altLang="zh-CN" dirty="0">
+            <a:endParaRPr lang="en-US" altLang="zh-CN" sz="2800" dirty="0">
               <a:latin typeface="SimSun" panose="02010600030101010101" pitchFamily="2" charset="-122"/>
               <a:ea typeface="SimSun" panose="02010600030101010101" pitchFamily="2" charset="-122"/>
             </a:endParaRPr>
@@ -21090,10 +21086,6 @@
               </a:rPr>
               <a:t>://zhuanlan.zhihu.com/p/20743919?refer=FrontendMagazine</a:t>
             </a:r>
-            <a:endParaRPr lang="en-US" sz="1600" b="0" dirty="0">
-              <a:latin typeface="SimSun" panose="02010600030101010101" pitchFamily="2" charset="-122"/>
-              <a:ea typeface="SimSun" panose="02010600030101010101" pitchFamily="2" charset="-122"/>
-            </a:endParaRPr>
           </a:p>
           <a:p>
             <a:endParaRPr lang="en-US" altLang="zh-CN" sz="1600" b="0" dirty="0">
@@ -21277,20 +21269,20 @@
               </a:spcAft>
             </a:pPr>
             <a:r>
-              <a:rPr lang="en-US" altLang="zh-CN" dirty="0" err="1">
+              <a:rPr lang="en-US" altLang="zh-CN" sz="2800" dirty="0" err="1">
                 <a:latin typeface="SimSun" panose="02010600030101010101" pitchFamily="2" charset="-122"/>
                 <a:ea typeface="SimSun" panose="02010600030101010101" pitchFamily="2" charset="-122"/>
               </a:rPr>
               <a:t>TypeScript</a:t>
             </a:r>
             <a:r>
-              <a:rPr lang="zh-CN" altLang="en-US" dirty="0">
+              <a:rPr lang="zh-CN" altLang="en-US" sz="2800" dirty="0">
                 <a:latin typeface="SimSun" panose="02010600030101010101" pitchFamily="2" charset="-122"/>
                 <a:ea typeface="SimSun" panose="02010600030101010101" pitchFamily="2" charset="-122"/>
               </a:rPr>
               <a:t>装饰器</a:t>
             </a:r>
-            <a:endParaRPr lang="en-US" altLang="zh-CN" dirty="0">
+            <a:endParaRPr lang="en-US" altLang="zh-CN" sz="2800" dirty="0">
               <a:latin typeface="SimSun" panose="02010600030101010101" pitchFamily="2" charset="-122"/>
               <a:ea typeface="SimSun" panose="02010600030101010101" pitchFamily="2" charset="-122"/>
             </a:endParaRPr>
@@ -21537,13 +21529,13 @@
               </a:spcAft>
             </a:pPr>
             <a:r>
-              <a:rPr lang="zh-CN" altLang="en-US" dirty="0" smtClean="0">
+              <a:rPr lang="zh-CN" altLang="en-US" sz="2800" dirty="0" smtClean="0">
                 <a:latin typeface="SimSun" panose="02010600030101010101" pitchFamily="2" charset="-122"/>
                 <a:ea typeface="SimSun" panose="02010600030101010101" pitchFamily="2" charset="-122"/>
               </a:rPr>
               <a:t>作业与练习</a:t>
             </a:r>
-            <a:endParaRPr lang="en-US" altLang="zh-CN" dirty="0">
+            <a:endParaRPr lang="en-US" altLang="zh-CN" sz="2800" dirty="0">
               <a:latin typeface="SimSun" panose="02010600030101010101" pitchFamily="2" charset="-122"/>
               <a:ea typeface="SimSun" panose="02010600030101010101" pitchFamily="2" charset="-122"/>
             </a:endParaRPr>
@@ -21578,21 +21570,21 @@
                 <a:gridCol w="2187788">
                   <a:extLst>
                     <a:ext uri="{9D8B030D-6E8A-4147-A177-3AD203B41FA5}">
-                      <a16:colId xmlns="" xmlns:a16="http://schemas.microsoft.com/office/drawing/2014/main" val="1427776139"/>
+                      <a16:colId xmlns:a16="http://schemas.microsoft.com/office/drawing/2014/main" xmlns="" val="1427776139"/>
                     </a:ext>
                   </a:extLst>
                 </a:gridCol>
                 <a:gridCol w="2562274">
                   <a:extLst>
                     <a:ext uri="{9D8B030D-6E8A-4147-A177-3AD203B41FA5}">
-                      <a16:colId xmlns="" xmlns:a16="http://schemas.microsoft.com/office/drawing/2014/main" val="3370170297"/>
+                      <a16:colId xmlns:a16="http://schemas.microsoft.com/office/drawing/2014/main" xmlns="" val="3370170297"/>
                     </a:ext>
                   </a:extLst>
                 </a:gridCol>
                 <a:gridCol w="3687098">
                   <a:extLst>
                     <a:ext uri="{9D8B030D-6E8A-4147-A177-3AD203B41FA5}">
-                      <a16:colId xmlns="" xmlns:a16="http://schemas.microsoft.com/office/drawing/2014/main" val="784783711"/>
+                      <a16:colId xmlns:a16="http://schemas.microsoft.com/office/drawing/2014/main" xmlns="" val="784783711"/>
                     </a:ext>
                   </a:extLst>
                 </a:gridCol>
@@ -21663,7 +21655,7 @@
                 </a:tc>
                 <a:extLst>
                   <a:ext uri="{0D108BD9-81ED-4DB2-BD59-A6C34878D82A}">
-                    <a16:rowId xmlns="" xmlns:a16="http://schemas.microsoft.com/office/drawing/2014/main" val="2469836323"/>
+                    <a16:rowId xmlns:a16="http://schemas.microsoft.com/office/drawing/2014/main" xmlns="" val="2469836323"/>
                   </a:ext>
                 </a:extLst>
               </a:tr>
@@ -21754,7 +21746,7 @@
                 </a:tc>
                 <a:extLst>
                   <a:ext uri="{0D108BD9-81ED-4DB2-BD59-A6C34878D82A}">
-                    <a16:rowId xmlns="" xmlns:a16="http://schemas.microsoft.com/office/drawing/2014/main" val="4026608687"/>
+                    <a16:rowId xmlns:a16="http://schemas.microsoft.com/office/drawing/2014/main" xmlns="" val="4026608687"/>
                   </a:ext>
                 </a:extLst>
               </a:tr>
@@ -21831,7 +21823,7 @@
                 </a:tc>
                 <a:extLst>
                   <a:ext uri="{0D108BD9-81ED-4DB2-BD59-A6C34878D82A}">
-                    <a16:rowId xmlns="" xmlns:a16="http://schemas.microsoft.com/office/drawing/2014/main" val="3808931876"/>
+                    <a16:rowId xmlns:a16="http://schemas.microsoft.com/office/drawing/2014/main" xmlns="" val="3808931876"/>
                   </a:ext>
                 </a:extLst>
               </a:tr>
@@ -21936,7 +21928,7 @@
                 </a:tc>
                 <a:extLst>
                   <a:ext uri="{0D108BD9-81ED-4DB2-BD59-A6C34878D82A}">
-                    <a16:rowId xmlns="" xmlns:a16="http://schemas.microsoft.com/office/drawing/2014/main" val="3120658752"/>
+                    <a16:rowId xmlns:a16="http://schemas.microsoft.com/office/drawing/2014/main" xmlns="" val="3120658752"/>
                   </a:ext>
                 </a:extLst>
               </a:tr>
@@ -22057,8 +22049,8 @@
         </p:nvSpPr>
         <p:spPr bwMode="gray">
           <a:xfrm>
-            <a:off x="356457" y="647151"/>
-            <a:ext cx="8380413" cy="492443"/>
+            <a:off x="356457" y="616374"/>
+            <a:ext cx="8380413" cy="523220"/>
           </a:xfrm>
           <a:prstGeom prst="rect">
             <a:avLst/>
@@ -22095,7 +22087,7 @@
           <a:p>
             <a:pPr marL="58738" indent="-58738" eaLnBrk="0" hangingPunct="0"/>
             <a:r>
-              <a:rPr lang="en-US" sz="2600" dirty="0"/>
+              <a:rPr lang="en-US" sz="2800" dirty="0"/>
               <a:t>Questions &amp; Answers</a:t>
             </a:r>
           </a:p>
@@ -22266,7 +22258,7 @@
                 <a:gridCol w="7612062">
                   <a:extLst>
                     <a:ext uri="{9D8B030D-6E8A-4147-A177-3AD203B41FA5}">
-                      <a16:colId xmlns="" xmlns:a16="http://schemas.microsoft.com/office/drawing/2014/main" val="20000"/>
+                      <a16:colId xmlns:a16="http://schemas.microsoft.com/office/drawing/2014/main" xmlns="" val="20000"/>
                     </a:ext>
                   </a:extLst>
                 </a:gridCol>
@@ -22358,7 +22350,7 @@
                 </a:tc>
                 <a:extLst>
                   <a:ext uri="{0D108BD9-81ED-4DB2-BD59-A6C34878D82A}">
-                    <a16:rowId xmlns="" xmlns:a16="http://schemas.microsoft.com/office/drawing/2014/main" val="10000"/>
+                    <a16:rowId xmlns:a16="http://schemas.microsoft.com/office/drawing/2014/main" xmlns="" val="10000"/>
                   </a:ext>
                 </a:extLst>
               </a:tr>
@@ -22464,7 +22456,7 @@
                 </a:tc>
                 <a:extLst>
                   <a:ext uri="{0D108BD9-81ED-4DB2-BD59-A6C34878D82A}">
-                    <a16:rowId xmlns="" xmlns:a16="http://schemas.microsoft.com/office/drawing/2014/main" val="10001"/>
+                    <a16:rowId xmlns:a16="http://schemas.microsoft.com/office/drawing/2014/main" xmlns="" val="10001"/>
                   </a:ext>
                 </a:extLst>
               </a:tr>
@@ -22556,7 +22548,7 @@
                 </a:tc>
                 <a:extLst>
                   <a:ext uri="{0D108BD9-81ED-4DB2-BD59-A6C34878D82A}">
-                    <a16:rowId xmlns="" xmlns:a16="http://schemas.microsoft.com/office/drawing/2014/main" val="10002"/>
+                    <a16:rowId xmlns:a16="http://schemas.microsoft.com/office/drawing/2014/main" xmlns="" val="10002"/>
                   </a:ext>
                 </a:extLst>
               </a:tr>
@@ -22846,7 +22838,7 @@
                 </a:tc>
                 <a:extLst>
                   <a:ext uri="{0D108BD9-81ED-4DB2-BD59-A6C34878D82A}">
-                    <a16:rowId xmlns="" xmlns:a16="http://schemas.microsoft.com/office/drawing/2014/main" val="10003"/>
+                    <a16:rowId xmlns:a16="http://schemas.microsoft.com/office/drawing/2014/main" xmlns="" val="10003"/>
                   </a:ext>
                 </a:extLst>
               </a:tr>
@@ -23233,10 +23225,6 @@
               </a:rPr>
               <a:t>://www.cnblogs.com/lovesong/p/4908871.html</a:t>
             </a:r>
-            <a:endParaRPr lang="en-US" altLang="zh-CN" sz="1600" b="0" dirty="0">
-              <a:latin typeface="SimSun" panose="02010600030101010101" pitchFamily="2" charset="-122"/>
-              <a:ea typeface="SimSun" panose="02010600030101010101" pitchFamily="2" charset="-122"/>
-            </a:endParaRPr>
           </a:p>
           <a:p>
             <a:pPr algn="just" eaLnBrk="0" hangingPunct="0">
@@ -23377,43 +23365,47 @@
               <a:defRPr/>
             </a:pPr>
             <a:r>
-              <a:rPr lang="en-US" sz="1800" b="0" dirty="0">
-                <a:latin typeface="SimSun" panose="02010600030101010101" pitchFamily="2" charset="-122"/>
-                <a:ea typeface="SimSun" panose="02010600030101010101" pitchFamily="2" charset="-122"/>
-              </a:rPr>
-              <a:t>lambda </a:t>
+              <a:rPr lang="en-US" sz="1800" b="0" dirty="0" smtClean="0">
+                <a:latin typeface="SimSun" panose="02010600030101010101" pitchFamily="2" charset="-122"/>
+                <a:ea typeface="SimSun" panose="02010600030101010101" pitchFamily="2" charset="-122"/>
+              </a:rPr>
+              <a:t>lambda</a:t>
+            </a:r>
+            <a:r>
+              <a:rPr lang="ja-JP" altLang="en-US" sz="1800" b="0" dirty="0" smtClean="0">
+                <a:latin typeface="SimSun" panose="02010600030101010101" pitchFamily="2" charset="-122"/>
+                <a:ea typeface="SimSun" panose="02010600030101010101" pitchFamily="2" charset="-122"/>
+              </a:rPr>
+              <a:t>函</a:t>
             </a:r>
             <a:r>
               <a:rPr lang="ja-JP" altLang="en-US" sz="1800" b="0" dirty="0">
                 <a:latin typeface="SimSun" panose="02010600030101010101" pitchFamily="2" charset="-122"/>
                 <a:ea typeface="SimSun" panose="02010600030101010101" pitchFamily="2" charset="-122"/>
               </a:rPr>
-              <a:t>函数</a:t>
+              <a:t>数</a:t>
             </a:r>
             <a:r>
               <a:rPr lang="zh-CN" altLang="en-US" sz="1800" b="0" dirty="0">
                 <a:latin typeface="SimSun" panose="02010600030101010101" pitchFamily="2" charset="-122"/>
                 <a:ea typeface="SimSun" panose="02010600030101010101" pitchFamily="2" charset="-122"/>
               </a:rPr>
-              <a:t>兼容</a:t>
-            </a:r>
-            <a:r>
-              <a:rPr lang="en-US" altLang="zh-CN" sz="1800" b="0" dirty="0">
+              <a:t>兼</a:t>
+            </a:r>
+            <a:r>
+              <a:rPr lang="zh-CN" altLang="en-US" sz="1800" b="0" dirty="0" smtClean="0">
+                <a:latin typeface="SimSun" panose="02010600030101010101" pitchFamily="2" charset="-122"/>
+                <a:ea typeface="SimSun" panose="02010600030101010101" pitchFamily="2" charset="-122"/>
+              </a:rPr>
+              <a:t>容</a:t>
+            </a:r>
+            <a:r>
+              <a:rPr lang="en-US" altLang="zh-CN" sz="1800" b="0" dirty="0" smtClean="0">
                 <a:latin typeface="SimSun" panose="02010600030101010101" pitchFamily="2" charset="-122"/>
                 <a:ea typeface="SimSun" panose="02010600030101010101" pitchFamily="2" charset="-122"/>
               </a:rPr>
               <a:t>.</a:t>
             </a:r>
-          </a:p>
-          <a:p>
-            <a:pPr marL="355600" indent="-355600" algn="just" eaLnBrk="0" hangingPunct="0">
-              <a:spcBef>
-                <a:spcPct val="100000"/>
-              </a:spcBef>
-              <a:buFont typeface="Arial" panose="020B0604020202020204" pitchFamily="34" charset="0"/>
-              <a:buChar char="•"/>
-              <a:defRPr/>
-            </a:pPr>
             <a:endParaRPr lang="en-US" sz="1800" b="0" dirty="0">
               <a:latin typeface="SimSun" panose="02010600030101010101" pitchFamily="2" charset="-122"/>
               <a:ea typeface="SimSun" panose="02010600030101010101" pitchFamily="2" charset="-122"/>
@@ -23769,6 +23761,27 @@
               </a:spcBef>
               <a:defRPr/>
             </a:pPr>
+            <a:r>
+              <a:rPr lang="en-US" sz="1600" b="0" dirty="0" smtClean="0">
+                <a:latin typeface="SimSun" panose="02010600030101010101" pitchFamily="2" charset="-122"/>
+                <a:ea typeface="SimSun" panose="02010600030101010101" pitchFamily="2" charset="-122"/>
+              </a:rPr>
+              <a:t>    (http</a:t>
+            </a:r>
+            <a:r>
+              <a:rPr lang="en-US" sz="1600" b="0" dirty="0">
+                <a:latin typeface="SimSun" panose="02010600030101010101" pitchFamily="2" charset="-122"/>
+                <a:ea typeface="SimSun" panose="02010600030101010101" pitchFamily="2" charset="-122"/>
+              </a:rPr>
+              <a:t>://</a:t>
+            </a:r>
+            <a:r>
+              <a:rPr lang="en-US" sz="1600" b="0" dirty="0" smtClean="0">
+                <a:latin typeface="SimSun" panose="02010600030101010101" pitchFamily="2" charset="-122"/>
+                <a:ea typeface="SimSun" panose="02010600030101010101" pitchFamily="2" charset="-122"/>
+              </a:rPr>
+              <a:t>www.cnblogs.com/Leo_wl/p/5751187.html)</a:t>
+            </a:r>
             <a:endParaRPr lang="en-US" sz="1600" b="0" dirty="0">
               <a:latin typeface="SimSun" panose="02010600030101010101" pitchFamily="2" charset="-122"/>
               <a:ea typeface="SimSun" panose="02010600030101010101" pitchFamily="2" charset="-122"/>
@@ -24587,14 +24600,14 @@
                 <a:latin typeface="SimSun" panose="02010600030101010101" pitchFamily="2" charset="-122"/>
                 <a:ea typeface="SimSun" panose="02010600030101010101" pitchFamily="2" charset="-122"/>
               </a:rPr>
-              <a:t>    https</a:t>
+              <a:t>    </a:t>
             </a:r>
             <a:r>
               <a:rPr lang="en-US" sz="1600" b="0" dirty="0">
                 <a:latin typeface="SimSun" panose="02010600030101010101" pitchFamily="2" charset="-122"/>
                 <a:ea typeface="SimSun" panose="02010600030101010101" pitchFamily="2" charset="-122"/>
               </a:rPr>
-              <a:t>://www.tslang.cn/docs/handbook/tsconfig-json.html</a:t>
+              <a:t>https://my.oschina.net/shuinian/blog/757398</a:t>
             </a:r>
             <a:endParaRPr lang="en-US" sz="1600" b="0" dirty="0">
               <a:latin typeface="SimSun" panose="02010600030101010101" pitchFamily="2" charset="-122"/>
@@ -24876,14 +24889,7 @@
                 <a:latin typeface="SimSun" panose="02010600030101010101" pitchFamily="2" charset="-122"/>
                 <a:ea typeface="SimSun" panose="02010600030101010101" pitchFamily="2" charset="-122"/>
               </a:rPr>
-              <a:t>例</a:t>
-            </a:r>
-            <a:r>
-              <a:rPr lang="zh-CN" altLang="en-US" sz="1600" b="0" dirty="0" smtClean="0">
-                <a:latin typeface="SimSun" panose="02010600030101010101" pitchFamily="2" charset="-122"/>
-                <a:ea typeface="SimSun" panose="02010600030101010101" pitchFamily="2" charset="-122"/>
-              </a:rPr>
-              <a:t>：</a:t>
+              <a:t>例：</a:t>
             </a:r>
             <a:r>
               <a:rPr lang="ja-JP" altLang="en-US" sz="1600" b="0" dirty="0">
@@ -24911,14 +24917,7 @@
                 <a:latin typeface="SimSun" panose="02010600030101010101" pitchFamily="2" charset="-122"/>
                 <a:ea typeface="SimSun" panose="02010600030101010101" pitchFamily="2" charset="-122"/>
               </a:rPr>
-              <a:t>Declarations/</a:t>
-            </a:r>
-            <a:r>
-              <a:rPr lang="en-US" sz="1600" b="0" dirty="0" smtClean="0">
-                <a:latin typeface="SimSun" panose="02010600030101010101" pitchFamily="2" charset="-122"/>
-                <a:ea typeface="SimSun" panose="02010600030101010101" pitchFamily="2" charset="-122"/>
-              </a:rPr>
-              <a:t>VariableDeclarationsTypeScript0</a:t>
+              <a:t>Declarations/VariableDeclarationsTypeScript0</a:t>
             </a:r>
             <a:r>
               <a:rPr lang="en-US" altLang="ja-JP" sz="1600" b="0" dirty="0" smtClean="0">
@@ -26466,34 +26465,34 @@
               </a:spcAft>
             </a:pPr>
             <a:r>
-              <a:rPr lang="en-US" altLang="zh-CN" dirty="0" err="1">
+              <a:rPr lang="en-US" altLang="zh-CN" sz="2800" dirty="0" err="1">
                 <a:latin typeface="SimSun" panose="02010600030101010101" pitchFamily="2" charset="-122"/>
                 <a:ea typeface="SimSun" panose="02010600030101010101" pitchFamily="2" charset="-122"/>
               </a:rPr>
               <a:t>TypeScript</a:t>
             </a:r>
             <a:r>
-              <a:rPr lang="zh-CN" altLang="en-US" dirty="0">
+              <a:rPr lang="zh-CN" altLang="en-US" sz="2800" dirty="0">
                 <a:latin typeface="SimSun" panose="02010600030101010101" pitchFamily="2" charset="-122"/>
                 <a:ea typeface="SimSun" panose="02010600030101010101" pitchFamily="2" charset="-122"/>
               </a:rPr>
               <a:t>模块</a:t>
             </a:r>
             <a:r>
-              <a:rPr lang="en-US" altLang="zh-CN" dirty="0">
+              <a:rPr lang="en-US" altLang="zh-CN" sz="2800" dirty="0">
                 <a:latin typeface="SimSun" panose="02010600030101010101" pitchFamily="2" charset="-122"/>
                 <a:ea typeface="SimSun" panose="02010600030101010101" pitchFamily="2" charset="-122"/>
               </a:rPr>
               <a:t>&amp;</a:t>
             </a:r>
             <a:r>
-              <a:rPr lang="zh-CN" altLang="en-US" dirty="0">
+              <a:rPr lang="zh-CN" altLang="en-US" sz="2800" dirty="0">
                 <a:latin typeface="SimSun" panose="02010600030101010101" pitchFamily="2" charset="-122"/>
                 <a:ea typeface="SimSun" panose="02010600030101010101" pitchFamily="2" charset="-122"/>
               </a:rPr>
               <a:t>面向对象</a:t>
             </a:r>
-            <a:endParaRPr lang="en-US" altLang="zh-CN" dirty="0">
+            <a:endParaRPr lang="en-US" altLang="zh-CN" sz="2800" dirty="0">
               <a:latin typeface="SimSun" panose="02010600030101010101" pitchFamily="2" charset="-122"/>
               <a:ea typeface="SimSun" panose="02010600030101010101" pitchFamily="2" charset="-122"/>
             </a:endParaRPr>
@@ -26700,11 +26699,32 @@
           </a:p>
           <a:p>
             <a:r>
+              <a:rPr lang="zh-CN" altLang="en-US" sz="1600" b="0" dirty="0" smtClean="0">
+                <a:latin typeface="SimSun" panose="02010600030101010101" pitchFamily="2" charset="-122"/>
+                <a:ea typeface="SimSun" panose="02010600030101010101" pitchFamily="2" charset="-122"/>
+              </a:rPr>
+              <a:t>对</a:t>
+            </a:r>
+            <a:r>
               <a:rPr lang="zh-CN" altLang="en-US" sz="1600" b="0" dirty="0">
                 <a:latin typeface="SimSun" panose="02010600030101010101" pitchFamily="2" charset="-122"/>
                 <a:ea typeface="SimSun" panose="02010600030101010101" pitchFamily="2" charset="-122"/>
               </a:rPr>
-              <a:t>对方话或属性进行静态修饰，效果与</a:t>
+              <a:t>方法</a:t>
+            </a:r>
+            <a:r>
+              <a:rPr lang="zh-CN" altLang="en-US" sz="1600" b="0" dirty="0" smtClean="0">
+                <a:latin typeface="SimSun" panose="02010600030101010101" pitchFamily="2" charset="-122"/>
+                <a:ea typeface="SimSun" panose="02010600030101010101" pitchFamily="2" charset="-122"/>
+              </a:rPr>
+              <a:t>或</a:t>
+            </a:r>
+            <a:r>
+              <a:rPr lang="zh-CN" altLang="en-US" sz="1600" b="0" dirty="0">
+                <a:latin typeface="SimSun" panose="02010600030101010101" pitchFamily="2" charset="-122"/>
+                <a:ea typeface="SimSun" panose="02010600030101010101" pitchFamily="2" charset="-122"/>
+              </a:rPr>
+              <a:t>属性进行静态修饰，效果与</a:t>
             </a:r>
             <a:r>
               <a:rPr lang="en-US" altLang="zh-CN" sz="1600" b="0" dirty="0">
@@ -26948,34 +26968,34 @@
               </a:spcAft>
             </a:pPr>
             <a:r>
-              <a:rPr lang="en-US" altLang="zh-CN" dirty="0" err="1">
+              <a:rPr lang="en-US" altLang="zh-CN" sz="2800" dirty="0" err="1">
                 <a:latin typeface="SimSun" panose="02010600030101010101" pitchFamily="2" charset="-122"/>
                 <a:ea typeface="SimSun" panose="02010600030101010101" pitchFamily="2" charset="-122"/>
               </a:rPr>
               <a:t>TypeScript</a:t>
             </a:r>
             <a:r>
-              <a:rPr lang="zh-CN" altLang="en-US" dirty="0">
+              <a:rPr lang="zh-CN" altLang="en-US" sz="2800" dirty="0">
                 <a:latin typeface="SimSun" panose="02010600030101010101" pitchFamily="2" charset="-122"/>
                 <a:ea typeface="SimSun" panose="02010600030101010101" pitchFamily="2" charset="-122"/>
               </a:rPr>
               <a:t>模块</a:t>
             </a:r>
             <a:r>
-              <a:rPr lang="en-US" altLang="zh-CN" dirty="0">
+              <a:rPr lang="en-US" altLang="zh-CN" sz="2800" dirty="0">
                 <a:latin typeface="SimSun" panose="02010600030101010101" pitchFamily="2" charset="-122"/>
                 <a:ea typeface="SimSun" panose="02010600030101010101" pitchFamily="2" charset="-122"/>
               </a:rPr>
               <a:t>&amp;</a:t>
             </a:r>
             <a:r>
-              <a:rPr lang="zh-CN" altLang="en-US" dirty="0">
+              <a:rPr lang="zh-CN" altLang="en-US" sz="2800" dirty="0">
                 <a:latin typeface="SimSun" panose="02010600030101010101" pitchFamily="2" charset="-122"/>
                 <a:ea typeface="SimSun" panose="02010600030101010101" pitchFamily="2" charset="-122"/>
               </a:rPr>
               <a:t>面向对象</a:t>
             </a:r>
-            <a:endParaRPr lang="en-US" altLang="zh-CN" dirty="0">
+            <a:endParaRPr lang="en-US" altLang="zh-CN" sz="2800" dirty="0">
               <a:latin typeface="SimSun" panose="02010600030101010101" pitchFamily="2" charset="-122"/>
               <a:ea typeface="SimSun" panose="02010600030101010101" pitchFamily="2" charset="-122"/>
             </a:endParaRPr>
@@ -27824,6 +27844,15 @@
 </file>
 
 <file path=customXml/item1.xml><?xml version="1.0" encoding="utf-8"?>
+<?mso-contentType ?>
+<FormTemplates xmlns="http://schemas.microsoft.com/sharepoint/v3/contenttype/forms">
+  <Display>DocumentLibraryForm</Display>
+  <Edit>DocumentLibraryForm</Edit>
+  <New>DocumentLibraryForm</New>
+</FormTemplates>
+</file>
+
+<file path=customXml/item2.xml><?xml version="1.0" encoding="utf-8"?>
 <p:properties xmlns:p="http://schemas.microsoft.com/office/2006/metadata/properties" xmlns:xsi="http://www.w3.org/2001/XMLSchema-instance" xmlns:pc="http://schemas.microsoft.com/office/infopath/2007/PartnerControls">
   <documentManagement>
     <TemplateUrl xmlns="http://schemas.microsoft.com/sharepoint/v3" xsi:nil="true"/>
@@ -27837,15 +27866,6 @@
     <ContentTypeId xmlns="http://schemas.microsoft.com/sharepoint/v3">0x0101008A3DB1C6C8F67747990693DFDA163C9A</ContentTypeId>
   </documentManagement>
 </p:properties>
-</file>
-
-<file path=customXml/item2.xml><?xml version="1.0" encoding="utf-8"?>
-<?mso-contentType ?>
-<FormTemplates xmlns="http://schemas.microsoft.com/sharepoint/v3/contenttype/forms">
-  <Display>DocumentLibraryForm</Display>
-  <Edit>DocumentLibraryForm</Edit>
-  <New>DocumentLibraryForm</New>
-</FormTemplates>
 </file>
 
 <file path=customXml/item3.xml><?xml version="1.0" encoding="utf-8"?>
@@ -28320,6 +28340,14 @@
 </file>
 
 <file path=customXml/itemProps1.xml><?xml version="1.0" encoding="utf-8"?>
+<ds:datastoreItem xmlns:ds="http://schemas.openxmlformats.org/officeDocument/2006/customXml" ds:itemID="{6268566E-43AA-4A68-BD58-84AB4DF5B82A}">
+  <ds:schemaRefs>
+    <ds:schemaRef ds:uri="http://schemas.microsoft.com/sharepoint/v3/contenttype/forms"/>
+  </ds:schemaRefs>
+</ds:datastoreItem>
+</file>
+
+<file path=customXml/itemProps2.xml><?xml version="1.0" encoding="utf-8"?>
 <ds:datastoreItem xmlns:ds="http://schemas.openxmlformats.org/officeDocument/2006/customXml" ds:itemID="{F59E41AE-6836-4572-AAEF-EE3E09D690B6}">
   <ds:schemaRefs>
     <ds:schemaRef ds:uri="http://schemas.microsoft.com/office/infopath/2007/PartnerControls"/>
@@ -28332,14 +28360,6 @@
     <ds:schemaRef ds:uri="http://schemas.microsoft.com/office/2006/documentManagement/types"/>
     <ds:schemaRef ds:uri="http://schemas.microsoft.com/sharepoint/v3"/>
     <ds:schemaRef ds:uri="http://purl.org/dc/dcmitype/"/>
-  </ds:schemaRefs>
-</ds:datastoreItem>
-</file>
-
-<file path=customXml/itemProps2.xml><?xml version="1.0" encoding="utf-8"?>
-<ds:datastoreItem xmlns:ds="http://schemas.openxmlformats.org/officeDocument/2006/customXml" ds:itemID="{6268566E-43AA-4A68-BD58-84AB4DF5B82A}">
-  <ds:schemaRefs>
-    <ds:schemaRef ds:uri="http://schemas.microsoft.com/sharepoint/v3/contenttype/forms"/>
   </ds:schemaRefs>
 </ds:datastoreItem>
 </file>
